--- a/Powerpoints/Team_Wearables(ProjectActivities).pptx
+++ b/Powerpoints/Team_Wearables(ProjectActivities).pptx
@@ -213,7 +213,7 @@
           <a:p>
             <a:fld id="{702880FF-4FCB-42DC-B8CA-5F43E197EBE2}" type="datetimeFigureOut">
               <a:rPr lang="en-US" smtClean="0"/>
-              <a:t>12/21/2024</a:t>
+              <a:t>12/22/2024</a:t>
             </a:fld>
             <a:endParaRPr lang="en-US"/>
           </a:p>
@@ -637,7 +637,7 @@
           <a:p>
             <a:fld id="{1D8BD707-D9CF-40AE-B4C6-C98DA3205C09}" type="datetimeFigureOut">
               <a:rPr lang="en-US"/>
-              <a:t>12/21/2024</a:t>
+              <a:t>12/22/2024</a:t>
             </a:fld>
             <a:endParaRPr lang="en-US"/>
           </a:p>
@@ -826,7 +826,7 @@
           <a:p>
             <a:fld id="{1D8BD707-D9CF-40AE-B4C6-C98DA3205C09}" type="datetimeFigureOut">
               <a:rPr lang="en-US"/>
-              <a:t>12/21/2024</a:t>
+              <a:t>12/22/2024</a:t>
             </a:fld>
             <a:endParaRPr lang="en-US"/>
           </a:p>
@@ -1058,7 +1058,7 @@
           <a:p>
             <a:fld id="{1D8BD707-D9CF-40AE-B4C6-C98DA3205C09}" type="datetimeFigureOut">
               <a:rPr lang="en-US"/>
-              <a:t>12/21/2024</a:t>
+              <a:t>12/22/2024</a:t>
             </a:fld>
             <a:endParaRPr lang="en-US"/>
           </a:p>
@@ -1224,7 +1224,7 @@
           <a:p>
             <a:fld id="{1D8BD707-D9CF-40AE-B4C6-C98DA3205C09}" type="datetimeFigureOut">
               <a:rPr lang="en-US"/>
-              <a:t>12/21/2024</a:t>
+              <a:t>12/22/2024</a:t>
             </a:fld>
             <a:endParaRPr lang="en-US"/>
           </a:p>
@@ -1361,7 +1361,7 @@
           <a:p>
             <a:fld id="{1D8BD707-D9CF-40AE-B4C6-C98DA3205C09}" type="datetimeFigureOut">
               <a:rPr lang="en-US"/>
-              <a:t>12/21/2024</a:t>
+              <a:t>12/22/2024</a:t>
             </a:fld>
             <a:endParaRPr lang="en-US"/>
           </a:p>
@@ -1834,7 +1834,7 @@
           <a:p>
             <a:fld id="{1D8BD707-D9CF-40AE-B4C6-C98DA3205C09}" type="datetimeFigureOut">
               <a:rPr lang="en-US"/>
-              <a:t>12/21/2024</a:t>
+              <a:t>12/22/2024</a:t>
             </a:fld>
             <a:endParaRPr lang="en-US"/>
           </a:p>
